--- a/Evolúcia počítačových hier.pptx
+++ b/Evolúcia počítačových hier.pptx
@@ -116,7 +116,18 @@
   </p:defaultTextStyle>
   <p:extLst>
     <p:ext uri="{EFAFB233-063F-42B5-8137-9DF3F51BA10A}">
-      <p15:sldGuideLst xmlns:p15="http://schemas.microsoft.com/office/powerpoint/2012/main"/>
+      <p15:sldGuideLst xmlns:p15="http://schemas.microsoft.com/office/powerpoint/2012/main">
+        <p15:guide id="1" orient="horz" pos="2160">
+          <p15:clr>
+            <a:srgbClr val="A4A3A4"/>
+          </p15:clr>
+        </p15:guide>
+        <p15:guide id="2" pos="3840">
+          <p15:clr>
+            <a:srgbClr val="A4A3A4"/>
+          </p15:clr>
+        </p15:guide>
+      </p15:sldGuideLst>
     </p:ext>
   </p:extLst>
 </p:presentation>
@@ -284,7 +295,7 @@
   <pc:docChgLst>
     <pc:chgData name="Marek Babiš" userId="0c4f9d9975d1ca32" providerId="LiveId" clId="{FD09E090-BD63-444D-9AA5-4AFDE127A7EF}"/>
     <pc:docChg chg="undo custSel addSld delSld modSld">
-      <pc:chgData name="Marek Babiš" userId="0c4f9d9975d1ca32" providerId="LiveId" clId="{FD09E090-BD63-444D-9AA5-4AFDE127A7EF}" dt="2022-11-27T16:09:26.300" v="1935" actId="20577"/>
+      <pc:chgData name="Marek Babiš" userId="0c4f9d9975d1ca32" providerId="LiveId" clId="{FD09E090-BD63-444D-9AA5-4AFDE127A7EF}" dt="2022-11-30T07:09:41.579" v="1944" actId="2696"/>
       <pc:docMkLst>
         <pc:docMk/>
       </pc:docMkLst>
@@ -764,6 +775,21 @@
             <pc:docMk/>
             <pc:sldMk cId="3184804521" sldId="264"/>
             <ac:spMk id="4" creationId="{53621D79-9115-C171-2864-AFDF07528C98}"/>
+          </ac:spMkLst>
+        </pc:spChg>
+      </pc:sldChg>
+      <pc:sldChg chg="modSp new del mod">
+        <pc:chgData name="Marek Babiš" userId="0c4f9d9975d1ca32" providerId="LiveId" clId="{FD09E090-BD63-444D-9AA5-4AFDE127A7EF}" dt="2022-11-30T07:09:41.579" v="1944" actId="2696"/>
+        <pc:sldMkLst>
+          <pc:docMk/>
+          <pc:sldMk cId="630490367" sldId="265"/>
+        </pc:sldMkLst>
+        <pc:spChg chg="mod">
+          <ac:chgData name="Marek Babiš" userId="0c4f9d9975d1ca32" providerId="LiveId" clId="{FD09E090-BD63-444D-9AA5-4AFDE127A7EF}" dt="2022-11-30T07:08:44.646" v="1943" actId="20577"/>
+          <ac:spMkLst>
+            <pc:docMk/>
+            <pc:sldMk cId="630490367" sldId="265"/>
+            <ac:spMk id="2" creationId="{F06956C5-5E4D-E203-3326-73F62104B0D7}"/>
           </ac:spMkLst>
         </pc:spChg>
       </pc:sldChg>
@@ -3696,7 +3722,8 @@
           <a:p>
             <a:fld id="{F7679B35-50AF-4731-AB63-D18C3E9529D1}" type="datetimeFigureOut">
               <a:rPr lang="sk-SK" smtClean="0"/>
-              <a:t>27.11.2022</a:t>
+              <a:pPr/>
+              <a:t>30.11.2022</a:t>
             </a:fld>
             <a:endParaRPr lang="sk-SK"/>
           </a:p>
@@ -3854,6 +3881,7 @@
           <a:p>
             <a:fld id="{0C591B1F-1858-42F7-A418-FF35447D1CAC}" type="slidenum">
               <a:rPr lang="sk-SK" smtClean="0"/>
+              <a:pPr/>
               <a:t>‹#›</a:t>
             </a:fld>
             <a:endParaRPr lang="sk-SK"/>
@@ -4034,6 +4062,7 @@
           <a:p>
             <a:fld id="{0C591B1F-1858-42F7-A418-FF35447D1CAC}" type="slidenum">
               <a:rPr lang="sk-SK" smtClean="0"/>
+              <a:pPr/>
               <a:t>2</a:t>
             </a:fld>
             <a:endParaRPr lang="sk-SK"/>
@@ -4477,6 +4506,7 @@
           <a:p>
             <a:fld id="{0C591B1F-1858-42F7-A418-FF35447D1CAC}" type="slidenum">
               <a:rPr lang="sk-SK" smtClean="0"/>
+              <a:pPr/>
               <a:t>3</a:t>
             </a:fld>
             <a:endParaRPr lang="sk-SK"/>
@@ -4696,6 +4726,7 @@
           <a:p>
             <a:fld id="{0C591B1F-1858-42F7-A418-FF35447D1CAC}" type="slidenum">
               <a:rPr lang="sk-SK" smtClean="0"/>
+              <a:pPr/>
               <a:t>4</a:t>
             </a:fld>
             <a:endParaRPr lang="sk-SK"/>
@@ -4795,6 +4826,7 @@
           <a:p>
             <a:fld id="{0C591B1F-1858-42F7-A418-FF35447D1CAC}" type="slidenum">
               <a:rPr lang="sk-SK" smtClean="0"/>
+              <a:pPr/>
               <a:t>5</a:t>
             </a:fld>
             <a:endParaRPr lang="sk-SK"/>
@@ -5619,7 +5651,8 @@
           <a:p>
             <a:fld id="{7CF0BCE0-945C-4FDF-95A1-2149B1FF5B83}" type="datetimeFigureOut">
               <a:rPr lang="en-US" smtClean="0"/>
-              <a:t>11/27/2022</a:t>
+              <a:pPr/>
+              <a:t>11/30/2022</a:t>
             </a:fld>
             <a:endParaRPr lang="en-US"/>
           </a:p>
@@ -5673,6 +5706,7 @@
           <a:p>
             <a:fld id="{4CD77608-3819-479B-BB98-C216BA724EFE}" type="slidenum">
               <a:rPr lang="en-US" smtClean="0"/>
+              <a:pPr/>
               <a:t>‹#›</a:t>
             </a:fld>
             <a:endParaRPr lang="en-US"/>
@@ -6346,7 +6380,8 @@
           <a:p>
             <a:fld id="{7CF0BCE0-945C-4FDF-95A1-2149B1FF5B83}" type="datetimeFigureOut">
               <a:rPr lang="en-US" smtClean="0"/>
-              <a:t>11/27/2022</a:t>
+              <a:pPr/>
+              <a:t>11/30/2022</a:t>
             </a:fld>
             <a:endParaRPr lang="en-US"/>
           </a:p>
@@ -6400,6 +6435,7 @@
           <a:p>
             <a:fld id="{4CD77608-3819-479B-BB98-C216BA724EFE}" type="slidenum">
               <a:rPr lang="en-US" smtClean="0"/>
+              <a:pPr/>
               <a:t>‹#›</a:t>
             </a:fld>
             <a:endParaRPr lang="en-US"/>
@@ -7219,7 +7255,8 @@
           <a:p>
             <a:fld id="{7CF0BCE0-945C-4FDF-95A1-2149B1FF5B83}" type="datetimeFigureOut">
               <a:rPr lang="en-US" smtClean="0"/>
-              <a:t>11/27/2022</a:t>
+              <a:pPr/>
+              <a:t>11/30/2022</a:t>
             </a:fld>
             <a:endParaRPr lang="en-US"/>
           </a:p>
@@ -7273,6 +7310,7 @@
           <a:p>
             <a:fld id="{4CD77608-3819-479B-BB98-C216BA724EFE}" type="slidenum">
               <a:rPr lang="en-US" smtClean="0"/>
+              <a:pPr/>
               <a:t>‹#›</a:t>
             </a:fld>
             <a:endParaRPr lang="en-US"/>
@@ -7950,7 +7988,8 @@
           <a:p>
             <a:fld id="{7CF0BCE0-945C-4FDF-95A1-2149B1FF5B83}" type="datetimeFigureOut">
               <a:rPr lang="en-US" smtClean="0"/>
-              <a:t>11/27/2022</a:t>
+              <a:pPr/>
+              <a:t>11/30/2022</a:t>
             </a:fld>
             <a:endParaRPr lang="en-US"/>
           </a:p>
@@ -8004,6 +8043,7 @@
           <a:p>
             <a:fld id="{4CD77608-3819-479B-BB98-C216BA724EFE}" type="slidenum">
               <a:rPr lang="en-US" smtClean="0"/>
+              <a:pPr/>
               <a:t>‹#›</a:t>
             </a:fld>
             <a:endParaRPr lang="en-US"/>
@@ -8660,7 +8700,8 @@
           <a:p>
             <a:fld id="{7CF0BCE0-945C-4FDF-95A1-2149B1FF5B83}" type="datetimeFigureOut">
               <a:rPr lang="en-US" smtClean="0"/>
-              <a:t>11/27/2022</a:t>
+              <a:pPr/>
+              <a:t>11/30/2022</a:t>
             </a:fld>
             <a:endParaRPr lang="en-US" dirty="0"/>
           </a:p>
@@ -8714,6 +8755,7 @@
           <a:p>
             <a:fld id="{4CD77608-3819-479B-BB98-C216BA724EFE}" type="slidenum">
               <a:rPr lang="en-US" smtClean="0"/>
+              <a:pPr/>
               <a:t>‹#›</a:t>
             </a:fld>
             <a:endParaRPr lang="en-US"/>
@@ -9597,7 +9639,8 @@
           <a:p>
             <a:fld id="{7CF0BCE0-945C-4FDF-95A1-2149B1FF5B83}" type="datetimeFigureOut">
               <a:rPr lang="en-US" smtClean="0"/>
-              <a:t>11/27/2022</a:t>
+              <a:pPr/>
+              <a:t>11/30/2022</a:t>
             </a:fld>
             <a:endParaRPr lang="en-US"/>
           </a:p>
@@ -9651,6 +9694,7 @@
           <a:p>
             <a:fld id="{4CD77608-3819-479B-BB98-C216BA724EFE}" type="slidenum">
               <a:rPr lang="en-US" smtClean="0"/>
+              <a:pPr/>
               <a:t>‹#›</a:t>
             </a:fld>
             <a:endParaRPr lang="en-US"/>
@@ -10817,7 +10861,8 @@
           <a:p>
             <a:fld id="{7CF0BCE0-945C-4FDF-95A1-2149B1FF5B83}" type="datetimeFigureOut">
               <a:rPr lang="en-US" smtClean="0"/>
-              <a:t>11/27/2022</a:t>
+              <a:pPr/>
+              <a:t>11/30/2022</a:t>
             </a:fld>
             <a:endParaRPr lang="en-US"/>
           </a:p>
@@ -10871,6 +10916,7 @@
           <a:p>
             <a:fld id="{4CD77608-3819-479B-BB98-C216BA724EFE}" type="slidenum">
               <a:rPr lang="en-US" smtClean="0"/>
+              <a:pPr/>
               <a:t>‹#›</a:t>
             </a:fld>
             <a:endParaRPr lang="en-US"/>
@@ -11483,7 +11529,8 @@
           <a:p>
             <a:fld id="{7CF0BCE0-945C-4FDF-95A1-2149B1FF5B83}" type="datetimeFigureOut">
               <a:rPr lang="en-US" smtClean="0"/>
-              <a:t>11/27/2022</a:t>
+              <a:pPr/>
+              <a:t>11/30/2022</a:t>
             </a:fld>
             <a:endParaRPr lang="en-US"/>
           </a:p>
@@ -11537,6 +11584,7 @@
           <a:p>
             <a:fld id="{4CD77608-3819-479B-BB98-C216BA724EFE}" type="slidenum">
               <a:rPr lang="en-US" smtClean="0"/>
+              <a:pPr/>
               <a:t>‹#›</a:t>
             </a:fld>
             <a:endParaRPr lang="en-US"/>
@@ -12252,7 +12300,8 @@
           <a:p>
             <a:fld id="{7CF0BCE0-945C-4FDF-95A1-2149B1FF5B83}" type="datetimeFigureOut">
               <a:rPr lang="en-US" smtClean="0"/>
-              <a:t>11/27/2022</a:t>
+              <a:pPr/>
+              <a:t>11/30/2022</a:t>
             </a:fld>
             <a:endParaRPr lang="en-US"/>
           </a:p>
@@ -12306,6 +12355,7 @@
           <a:p>
             <a:fld id="{4CD77608-3819-479B-BB98-C216BA724EFE}" type="slidenum">
               <a:rPr lang="en-US" smtClean="0"/>
+              <a:pPr/>
               <a:t>‹#›</a:t>
             </a:fld>
             <a:endParaRPr lang="en-US"/>
@@ -13364,7 +13414,8 @@
           <a:p>
             <a:fld id="{7CF0BCE0-945C-4FDF-95A1-2149B1FF5B83}" type="datetimeFigureOut">
               <a:rPr lang="en-US" smtClean="0"/>
-              <a:t>11/27/2022</a:t>
+              <a:pPr/>
+              <a:t>11/30/2022</a:t>
             </a:fld>
             <a:endParaRPr lang="en-US"/>
           </a:p>
@@ -13418,6 +13469,7 @@
           <a:p>
             <a:fld id="{4CD77608-3819-479B-BB98-C216BA724EFE}" type="slidenum">
               <a:rPr lang="en-US" smtClean="0"/>
+              <a:pPr/>
               <a:t>‹#›</a:t>
             </a:fld>
             <a:endParaRPr lang="en-US"/>
@@ -14172,7 +14224,8 @@
           <a:p>
             <a:fld id="{7CF0BCE0-945C-4FDF-95A1-2149B1FF5B83}" type="datetimeFigureOut">
               <a:rPr lang="en-US" smtClean="0"/>
-              <a:t>11/27/2022</a:t>
+              <a:pPr/>
+              <a:t>11/30/2022</a:t>
             </a:fld>
             <a:endParaRPr lang="en-US"/>
           </a:p>
@@ -14226,6 +14279,7 @@
           <a:p>
             <a:fld id="{4CD77608-3819-479B-BB98-C216BA724EFE}" type="slidenum">
               <a:rPr lang="en-US" smtClean="0"/>
+              <a:pPr/>
               <a:t>‹#›</a:t>
             </a:fld>
             <a:endParaRPr lang="en-US"/>
@@ -14456,7 +14510,7 @@
             <a:fld id="{7CF0BCE0-945C-4FDF-95A1-2149B1FF5B83}" type="datetimeFigureOut">
               <a:rPr lang="en-US" smtClean="0"/>
               <a:pPr algn="r"/>
-              <a:t>11/27/2022</a:t>
+              <a:t>11/30/2022</a:t>
             </a:fld>
             <a:endParaRPr lang="en-US" dirty="0"/>
           </a:p>
@@ -17915,8 +17969,8 @@
         </p:nvSpPr>
         <p:spPr>
           <a:xfrm>
-            <a:off x="2877602" y="629133"/>
-            <a:ext cx="6436795" cy="5599734"/>
+            <a:off x="2645954" y="629133"/>
+            <a:ext cx="7058878" cy="5599734"/>
           </a:xfrm>
         </p:spPr>
         <p:txBody>
@@ -18259,7 +18313,7 @@
     </a:clrScheme>
     <a:fontScheme name="Office">
       <a:majorFont>
-        <a:latin typeface="Calibri Light" panose="020F0302020204030204"/>
+        <a:latin typeface="Calibri Light"/>
         <a:ea typeface=""/>
         <a:cs typeface=""/>
         <a:font script="Jpan" typeface="游ゴシック Light"/>
@@ -18311,7 +18365,7 @@
         <a:font script="Tfng" typeface="Ebrima"/>
       </a:majorFont>
       <a:minorFont>
-        <a:latin typeface="Calibri" panose="020F0502020204030204"/>
+        <a:latin typeface="Calibri"/>
         <a:ea typeface=""/>
         <a:cs typeface=""/>
         <a:font script="Jpan" typeface="游ゴシック"/>
